--- a/01 intro_to_python/Python.pptx
+++ b/01 intro_to_python/Python.pptx
@@ -227,7 +227,7 @@
           <a:p>
             <a:fld id="{AF869721-F543-4A6C-BF9D-65D7CC540427}" type="datetimeFigureOut">
               <a:rPr lang="en-US" smtClean="0"/>
-              <a:t>7/22/2024</a:t>
+              <a:t>7/30/2024</a:t>
             </a:fld>
             <a:endParaRPr lang="en-US" dirty="0"/>
           </a:p>
@@ -404,7 +404,7 @@
           <a:p>
             <a:fld id="{C732326A-4C88-4AFB-AA5B-5919D81DFF5B}" type="datetimeFigureOut">
               <a:rPr lang="en-US" smtClean="0"/>
-              <a:t>7/22/2024</a:t>
+              <a:t>7/30/2024</a:t>
             </a:fld>
             <a:endParaRPr lang="en-US" dirty="0"/>
           </a:p>
@@ -1261,7 +1261,7 @@
             <a:fld id="{B61BEF0D-F0BB-DE4B-95CE-6DB70DBA9567}" type="datetimeFigureOut">
               <a:rPr lang="en-US" smtClean="0"/>
               <a:pPr/>
-              <a:t>7/22/2024</a:t>
+              <a:t>7/30/2024</a:t>
             </a:fld>
             <a:endParaRPr lang="en-US" dirty="0"/>
           </a:p>
@@ -1525,7 +1525,7 @@
             <a:fld id="{B61BEF0D-F0BB-DE4B-95CE-6DB70DBA9567}" type="datetimeFigureOut">
               <a:rPr lang="en-US" smtClean="0"/>
               <a:pPr/>
-              <a:t>7/22/2024</a:t>
+              <a:t>7/30/2024</a:t>
             </a:fld>
             <a:endParaRPr lang="en-US" dirty="0"/>
           </a:p>
@@ -1762,7 +1762,7 @@
             <a:fld id="{B61BEF0D-F0BB-DE4B-95CE-6DB70DBA9567}" type="datetimeFigureOut">
               <a:rPr lang="en-US" smtClean="0"/>
               <a:pPr/>
-              <a:t>7/22/2024</a:t>
+              <a:t>7/30/2024</a:t>
             </a:fld>
             <a:endParaRPr lang="en-US" dirty="0"/>
           </a:p>
@@ -2004,7 +2004,7 @@
             <a:fld id="{B61BEF0D-F0BB-DE4B-95CE-6DB70DBA9567}" type="datetimeFigureOut">
               <a:rPr lang="en-US" smtClean="0"/>
               <a:pPr/>
-              <a:t>7/22/2024</a:t>
+              <a:t>7/30/2024</a:t>
             </a:fld>
             <a:endParaRPr lang="en-US" dirty="0"/>
           </a:p>
@@ -2313,7 +2313,7 @@
             <a:fld id="{B61BEF0D-F0BB-DE4B-95CE-6DB70DBA9567}" type="datetimeFigureOut">
               <a:rPr lang="en-US" smtClean="0"/>
               <a:pPr/>
-              <a:t>7/22/2024</a:t>
+              <a:t>7/30/2024</a:t>
             </a:fld>
             <a:endParaRPr lang="en-US" dirty="0"/>
           </a:p>
@@ -2617,7 +2617,7 @@
             <a:fld id="{B61BEF0D-F0BB-DE4B-95CE-6DB70DBA9567}" type="datetimeFigureOut">
               <a:rPr lang="en-US" smtClean="0"/>
               <a:pPr/>
-              <a:t>7/22/2024</a:t>
+              <a:t>7/30/2024</a:t>
             </a:fld>
             <a:endParaRPr lang="en-US" dirty="0"/>
           </a:p>
@@ -3041,7 +3041,7 @@
             <a:fld id="{B61BEF0D-F0BB-DE4B-95CE-6DB70DBA9567}" type="datetimeFigureOut">
               <a:rPr lang="en-US" smtClean="0"/>
               <a:pPr/>
-              <a:t>7/22/2024</a:t>
+              <a:t>7/30/2024</a:t>
             </a:fld>
             <a:endParaRPr lang="en-US" dirty="0"/>
           </a:p>
@@ -3138,7 +3138,7 @@
             <a:fld id="{B61BEF0D-F0BB-DE4B-95CE-6DB70DBA9567}" type="datetimeFigureOut">
               <a:rPr lang="en-US" smtClean="0"/>
               <a:pPr/>
-              <a:t>7/22/2024</a:t>
+              <a:t>7/30/2024</a:t>
             </a:fld>
             <a:endParaRPr lang="en-US" dirty="0"/>
           </a:p>
@@ -3302,7 +3302,7 @@
             <a:fld id="{B61BEF0D-F0BB-DE4B-95CE-6DB70DBA9567}" type="datetimeFigureOut">
               <a:rPr lang="en-US" smtClean="0"/>
               <a:pPr/>
-              <a:t>7/22/2024</a:t>
+              <a:t>7/30/2024</a:t>
             </a:fld>
             <a:endParaRPr lang="en-US" dirty="0"/>
           </a:p>
@@ -3682,7 +3682,7 @@
             <a:fld id="{B61BEF0D-F0BB-DE4B-95CE-6DB70DBA9567}" type="datetimeFigureOut">
               <a:rPr lang="en-US" smtClean="0"/>
               <a:pPr/>
-              <a:t>7/22/2024</a:t>
+              <a:t>7/30/2024</a:t>
             </a:fld>
             <a:endParaRPr lang="en-US" dirty="0"/>
           </a:p>
@@ -3973,7 +3973,7 @@
             <a:fld id="{B61BEF0D-F0BB-DE4B-95CE-6DB70DBA9567}" type="datetimeFigureOut">
               <a:rPr lang="en-US" smtClean="0"/>
               <a:pPr/>
-              <a:t>7/22/2024</a:t>
+              <a:t>7/30/2024</a:t>
             </a:fld>
             <a:endParaRPr lang="en-US" dirty="0"/>
           </a:p>
@@ -4186,7 +4186,7 @@
             <a:fld id="{B61BEF0D-F0BB-DE4B-95CE-6DB70DBA9567}" type="datetimeFigureOut">
               <a:rPr lang="en-US" smtClean="0"/>
               <a:pPr/>
-              <a:t>7/22/2024</a:t>
+              <a:t>7/30/2024</a:t>
             </a:fld>
             <a:endParaRPr lang="en-US" dirty="0"/>
           </a:p>
@@ -5689,7 +5689,7 @@
           <a:p>
             <a:r>
               <a:rPr lang="en-US" altLang="en-US" dirty="0"/>
-              <a:t>Steps in learning C:</a:t>
+              <a:t>Steps in learning Python:</a:t>
             </a:r>
           </a:p>
         </p:txBody>
@@ -5749,7 +5749,7 @@
               <a:buChar char="•"/>
             </a:pPr>
             <a:r>
-              <a:rPr lang="en-US" altLang="en-US" sz="1600">
+              <a:rPr lang="en-US" altLang="en-US" sz="1600" dirty="0">
                 <a:latin typeface="Verdana" panose="020B0604030504040204" pitchFamily="34" charset="0"/>
               </a:rPr>
               <a:t> Alphabets</a:t>
@@ -5761,7 +5761,7 @@
               <a:buChar char="•"/>
             </a:pPr>
             <a:r>
-              <a:rPr lang="en-US" altLang="en-US" sz="1600">
+              <a:rPr lang="en-US" altLang="en-US" sz="1600" dirty="0">
                 <a:latin typeface="Verdana" panose="020B0604030504040204" pitchFamily="34" charset="0"/>
               </a:rPr>
               <a:t> Digits</a:t>
@@ -5773,7 +5773,7 @@
               <a:buChar char="•"/>
             </a:pPr>
             <a:r>
-              <a:rPr lang="en-US" altLang="en-US" sz="1600">
+              <a:rPr lang="en-US" altLang="en-US" sz="1600" dirty="0">
                 <a:latin typeface="Verdana" panose="020B0604030504040204" pitchFamily="34" charset="0"/>
               </a:rPr>
               <a:t> Special</a:t>
@@ -5782,7 +5782,7 @@
           <a:p>
             <a:pPr eaLnBrk="0" hangingPunct="0"/>
             <a:r>
-              <a:rPr lang="en-US" altLang="en-US" sz="1600">
+              <a:rPr lang="en-US" altLang="en-US" sz="1600" dirty="0">
                 <a:latin typeface="Verdana" panose="020B0604030504040204" pitchFamily="34" charset="0"/>
               </a:rPr>
               <a:t>   symbols</a:t>
@@ -5929,7 +5929,7 @@
           <a:p>
             <a:pPr algn="ctr" eaLnBrk="0" hangingPunct="0"/>
             <a:r>
-              <a:rPr lang="en-US" altLang="en-US" sz="1600">
+              <a:rPr lang="en-US" altLang="en-US" sz="1600" dirty="0">
                 <a:latin typeface="Verdana" panose="020B0604030504040204" pitchFamily="34" charset="0"/>
               </a:rPr>
               <a:t>Instructions</a:t>
@@ -5989,7 +5989,7 @@
           <a:p>
             <a:pPr algn="ctr" eaLnBrk="0" hangingPunct="0"/>
             <a:r>
-              <a:rPr lang="en-US" altLang="en-US" sz="1600">
+              <a:rPr lang="en-US" altLang="en-US" sz="1600" dirty="0">
                 <a:latin typeface="Verdana" panose="020B0604030504040204" pitchFamily="34" charset="0"/>
               </a:rPr>
               <a:t>Program</a:t>
@@ -8428,25 +8428,7 @@
                 <a:ea typeface="Calibri" panose="020F0502020204030204" pitchFamily="34" charset="0"/>
                 <a:cs typeface="Mangal" panose="02040503050203030202" pitchFamily="18" charset="0"/>
               </a:rPr>
-              <a:t>IDE : Integrated Development Environment   ( ide = text editor </a:t>
-            </a:r>
-            <a:r>
-              <a:rPr lang="en-US" sz="2000">
-                <a:effectLst/>
-                <a:latin typeface="Calibri" panose="020F0502020204030204" pitchFamily="34" charset="0"/>
-                <a:ea typeface="Calibri" panose="020F0502020204030204" pitchFamily="34" charset="0"/>
-                <a:cs typeface="Mangal" panose="02040503050203030202" pitchFamily="18" charset="0"/>
-              </a:rPr>
-              <a:t>+ interpreter </a:t>
-            </a:r>
-            <a:r>
-              <a:rPr lang="en-US" sz="2000" dirty="0">
-                <a:effectLst/>
-                <a:latin typeface="Calibri" panose="020F0502020204030204" pitchFamily="34" charset="0"/>
-                <a:ea typeface="Calibri" panose="020F0502020204030204" pitchFamily="34" charset="0"/>
-                <a:cs typeface="Mangal" panose="02040503050203030202" pitchFamily="18" charset="0"/>
-              </a:rPr>
-              <a:t>+ terminal + </a:t>
+              <a:t>IDE : Integrated Development Environment   ( ide = text editor + interpreter + terminal + </a:t>
             </a:r>
             <a:r>
               <a:rPr lang="en-US" sz="2000" dirty="0" err="1">
@@ -8534,7 +8516,7 @@
                 <a:ea typeface="Calibri" panose="020F0502020204030204" pitchFamily="34" charset="0"/>
                 <a:cs typeface="Mangal" panose="02040503050203030202" pitchFamily="18" charset="0"/>
               </a:rPr>
-              <a:t>IDLE,pycharm</a:t>
+              <a:t>IDLE,pycharm,Anaconda,Jupyter</a:t>
             </a:r>
             <a:r>
               <a:rPr lang="en-US" sz="2000" dirty="0">
